--- a/Lectures/Clustering_lecture.pptx
+++ b/Lectures/Clustering_lecture.pptx
@@ -550,7 +550,7 @@
           <a:p>
             <a:fld id="{9AB3A824-1A51-4B26-AD58-A6D8E14F6C04}" type="datetimeFigureOut">
               <a:rPr lang="en-US" smtClean="0"/>
-              <a:t>10/20/21</a:t>
+              <a:t>10/9/22</a:t>
             </a:fld>
             <a:endParaRPr lang="en-US" dirty="0"/>
           </a:p>
@@ -754,7 +754,7 @@
             <a:fld id="{3CBC1C18-307B-4F68-A007-B5B542270E8D}" type="datetimeFigureOut">
               <a:rPr lang="en-US" smtClean="0"/>
               <a:pPr/>
-              <a:t>10/20/21</a:t>
+              <a:t>10/9/22</a:t>
             </a:fld>
             <a:endParaRPr lang="en-US" dirty="0"/>
           </a:p>
@@ -968,7 +968,7 @@
             <a:fld id="{3CBC1C18-307B-4F68-A007-B5B542270E8D}" type="datetimeFigureOut">
               <a:rPr lang="en-US" smtClean="0"/>
               <a:pPr/>
-              <a:t>10/20/21</a:t>
+              <a:t>10/9/22</a:t>
             </a:fld>
             <a:endParaRPr lang="en-US" dirty="0"/>
           </a:p>
@@ -1394,7 +1394,7 @@
             <a:fld id="{3CBC1C18-307B-4F68-A007-B5B542270E8D}" type="datetimeFigureOut">
               <a:rPr lang="en-US" smtClean="0"/>
               <a:pPr/>
-              <a:t>10/20/21</a:t>
+              <a:t>10/9/22</a:t>
             </a:fld>
             <a:endParaRPr lang="en-US" dirty="0"/>
           </a:p>
@@ -1674,7 +1674,7 @@
           <a:p>
             <a:fld id="{3E5059C3-6A89-4494-99FF-5A4D6FFD50EB}" type="datetimeFigureOut">
               <a:rPr lang="en-US" smtClean="0"/>
-              <a:t>10/20/21</a:t>
+              <a:t>10/9/22</a:t>
             </a:fld>
             <a:endParaRPr lang="en-US" dirty="0"/>
           </a:p>
@@ -1945,7 +1945,7 @@
             <a:fld id="{3CBC1C18-307B-4F68-A007-B5B542270E8D}" type="datetimeFigureOut">
               <a:rPr lang="en-US" smtClean="0"/>
               <a:pPr/>
-              <a:t>10/20/21</a:t>
+              <a:t>10/9/22</a:t>
             </a:fld>
             <a:endParaRPr lang="en-US" dirty="0"/>
           </a:p>
@@ -2363,7 +2363,7 @@
             <a:fld id="{3CBC1C18-307B-4F68-A007-B5B542270E8D}" type="datetimeFigureOut">
               <a:rPr lang="en-US" smtClean="0"/>
               <a:pPr/>
-              <a:t>10/20/21</a:t>
+              <a:t>10/9/22</a:t>
             </a:fld>
             <a:endParaRPr lang="en-US" dirty="0"/>
           </a:p>
@@ -2509,7 +2509,7 @@
           <a:p>
             <a:fld id="{1FAF3416-4057-4DAA-829D-4CA07428D088}" type="datetimeFigureOut">
               <a:rPr lang="en-US" smtClean="0"/>
-              <a:t>10/20/21</a:t>
+              <a:t>10/9/22</a:t>
             </a:fld>
             <a:endParaRPr lang="en-US" dirty="0"/>
           </a:p>
@@ -2627,7 +2627,7 @@
           <a:p>
             <a:fld id="{921D9284-D300-4297-87F7-E791DCC15DB1}" type="datetimeFigureOut">
               <a:rPr lang="en-US" smtClean="0"/>
-              <a:t>10/20/21</a:t>
+              <a:t>10/9/22</a:t>
             </a:fld>
             <a:endParaRPr lang="en-US" dirty="0"/>
           </a:p>
@@ -2944,7 +2944,7 @@
             <a:fld id="{3CBC1C18-307B-4F68-A007-B5B542270E8D}" type="datetimeFigureOut">
               <a:rPr lang="en-US" smtClean="0"/>
               <a:pPr/>
-              <a:t>10/20/21</a:t>
+              <a:t>10/9/22</a:t>
             </a:fld>
             <a:endParaRPr lang="en-US" dirty="0"/>
           </a:p>
@@ -3238,7 +3238,7 @@
             <a:fld id="{3CBC1C18-307B-4F68-A007-B5B542270E8D}" type="datetimeFigureOut">
               <a:rPr lang="en-US" smtClean="0"/>
               <a:pPr/>
-              <a:t>10/20/21</a:t>
+              <a:t>10/9/22</a:t>
             </a:fld>
             <a:endParaRPr lang="en-US" dirty="0"/>
           </a:p>
@@ -3485,7 +3485,7 @@
             <a:fld id="{3CBC1C18-307B-4F68-A007-B5B542270E8D}" type="datetimeFigureOut">
               <a:rPr lang="en-US" smtClean="0"/>
               <a:pPr/>
-              <a:t>10/20/21</a:t>
+              <a:t>10/9/22</a:t>
             </a:fld>
             <a:endParaRPr lang="en-US" dirty="0"/>
           </a:p>
@@ -3967,8 +3967,13 @@
           <a:p>
             <a:r>
               <a:rPr lang="en-US" dirty="0"/>
-              <a:t>AB332 - Autumn 2021</a:t>
-            </a:r>
+              <a:t>AB332 - </a:t>
+            </a:r>
+            <a:r>
+              <a:rPr lang="en-US"/>
+              <a:t>Autumn 2022 </a:t>
+            </a:r>
+            <a:endParaRPr lang="en-US" dirty="0"/>
           </a:p>
           <a:p>
             <a:endParaRPr lang="en-US" dirty="0"/>
@@ -11133,7 +11138,7 @@
           </a:prstGeom>
           <a:extLst>
             <a:ext uri="{C572A759-6A51-4108-AA02-DFA0A04FC94B}">
-              <ma14:wrappingTextBoxFlag xmlns="" xmlns:m="http://schemas.openxmlformats.org/officeDocument/2006/math" xmlns:a14="http://schemas.microsoft.com/office/drawing/2010/main" xmlns:ma14="http://schemas.microsoft.com/office/mac/drawingml/2011/main" val="1"/>
+              <ma14:wrappingTextBoxFlag xmlns:ma14="http://schemas.microsoft.com/office/mac/drawingml/2011/main" xmlns:a14="http://schemas.microsoft.com/office/drawing/2010/main" xmlns:m="http://schemas.openxmlformats.org/officeDocument/2006/math" xmlns="" val="1"/>
             </a:ext>
           </a:extLst>
         </p:spPr>
@@ -11246,7 +11251,7 @@
           </a:prstGeom>
           <a:extLst>
             <a:ext uri="{C572A759-6A51-4108-AA02-DFA0A04FC94B}">
-              <ma14:wrappingTextBoxFlag xmlns:ma14="http://schemas.microsoft.com/office/mac/drawingml/2011/main" xmlns:a14="http://schemas.microsoft.com/office/drawing/2010/main" xmlns:m="http://schemas.openxmlformats.org/officeDocument/2006/math" xmlns="" val="1"/>
+              <ma14:wrappingTextBoxFlag xmlns="" xmlns:m="http://schemas.openxmlformats.org/officeDocument/2006/math" xmlns:a14="http://schemas.microsoft.com/office/drawing/2010/main" xmlns:ma14="http://schemas.microsoft.com/office/mac/drawingml/2011/main" val="1"/>
             </a:ext>
           </a:extLst>
         </p:spPr>
@@ -11416,7 +11421,7 @@
           </a:prstGeom>
           <a:extLst>
             <a:ext uri="{C572A759-6A51-4108-AA02-DFA0A04FC94B}">
-              <ma14:wrappingTextBoxFlag xmlns="" xmlns:m="http://schemas.openxmlformats.org/officeDocument/2006/math" xmlns:a14="http://schemas.microsoft.com/office/drawing/2010/main" xmlns:ma14="http://schemas.microsoft.com/office/mac/drawingml/2011/main" val="1"/>
+              <ma14:wrappingTextBoxFlag xmlns:ma14="http://schemas.microsoft.com/office/mac/drawingml/2011/main" xmlns:a14="http://schemas.microsoft.com/office/drawing/2010/main" xmlns:m="http://schemas.openxmlformats.org/officeDocument/2006/math" xmlns="" val="1"/>
             </a:ext>
           </a:extLst>
         </p:spPr>
@@ -17758,7 +17763,7 @@
           </a:prstGeom>
           <a:extLst>
             <a:ext uri="{C572A759-6A51-4108-AA02-DFA0A04FC94B}">
-              <ma14:wrappingTextBoxFlag xmlns="" xmlns:m="http://schemas.openxmlformats.org/officeDocument/2006/math" xmlns:a14="http://schemas.microsoft.com/office/drawing/2010/main" xmlns:ma14="http://schemas.microsoft.com/office/mac/drawingml/2011/main" val="1"/>
+              <ma14:wrappingTextBoxFlag xmlns:ma14="http://schemas.microsoft.com/office/mac/drawingml/2011/main" xmlns:a14="http://schemas.microsoft.com/office/drawing/2010/main" xmlns:m="http://schemas.openxmlformats.org/officeDocument/2006/math" xmlns="" val="1"/>
             </a:ext>
           </a:extLst>
         </p:spPr>
@@ -24585,7 +24590,7 @@
           </a:ln>
           <a:extLst>
             <a:ext uri="{C572A759-6A51-4108-AA02-DFA0A04FC94B}">
-              <ma14:wrappingTextBoxFlag xmlns="" xmlns:m="http://schemas.openxmlformats.org/officeDocument/2006/math" xmlns:a14="http://schemas.microsoft.com/office/drawing/2010/main" xmlns:ma14="http://schemas.microsoft.com/office/mac/drawingml/2011/main" val="1"/>
+              <ma14:wrappingTextBoxFlag xmlns:ma14="http://schemas.microsoft.com/office/mac/drawingml/2011/main" xmlns:a14="http://schemas.microsoft.com/office/drawing/2010/main" xmlns:m="http://schemas.openxmlformats.org/officeDocument/2006/math" xmlns="" val="1"/>
             </a:ext>
           </a:extLst>
         </p:spPr>
@@ -24627,7 +24632,7 @@
           </a:ln>
           <a:extLst>
             <a:ext uri="{C572A759-6A51-4108-AA02-DFA0A04FC94B}">
-              <ma14:wrappingTextBoxFlag xmlns="" xmlns:m="http://schemas.openxmlformats.org/officeDocument/2006/math" xmlns:a14="http://schemas.microsoft.com/office/drawing/2010/main" xmlns:ma14="http://schemas.microsoft.com/office/mac/drawingml/2011/main" val="1"/>
+              <ma14:wrappingTextBoxFlag xmlns:ma14="http://schemas.microsoft.com/office/mac/drawingml/2011/main" xmlns:a14="http://schemas.microsoft.com/office/drawing/2010/main" xmlns:m="http://schemas.openxmlformats.org/officeDocument/2006/math" xmlns="" val="1"/>
             </a:ext>
           </a:extLst>
         </p:spPr>
@@ -24967,7 +24972,7 @@
           </a:ln>
           <a:extLst>
             <a:ext uri="{C572A759-6A51-4108-AA02-DFA0A04FC94B}">
-              <ma14:wrappingTextBoxFlag xmlns="" xmlns:m="http://schemas.openxmlformats.org/officeDocument/2006/math" xmlns:a14="http://schemas.microsoft.com/office/drawing/2010/main" xmlns:ma14="http://schemas.microsoft.com/office/mac/drawingml/2011/main" val="1"/>
+              <ma14:wrappingTextBoxFlag xmlns:ma14="http://schemas.microsoft.com/office/mac/drawingml/2011/main" xmlns:a14="http://schemas.microsoft.com/office/drawing/2010/main" xmlns:m="http://schemas.openxmlformats.org/officeDocument/2006/math" xmlns="" val="1"/>
             </a:ext>
           </a:extLst>
         </p:spPr>
@@ -25007,7 +25012,7 @@
           </a:ln>
           <a:extLst>
             <a:ext uri="{C572A759-6A51-4108-AA02-DFA0A04FC94B}">
-              <ma14:wrappingTextBoxFlag xmlns="" xmlns:m="http://schemas.openxmlformats.org/officeDocument/2006/math" xmlns:a14="http://schemas.microsoft.com/office/drawing/2010/main" xmlns:ma14="http://schemas.microsoft.com/office/mac/drawingml/2011/main" val="1"/>
+              <ma14:wrappingTextBoxFlag xmlns:ma14="http://schemas.microsoft.com/office/mac/drawingml/2011/main" xmlns:a14="http://schemas.microsoft.com/office/drawing/2010/main" xmlns:m="http://schemas.openxmlformats.org/officeDocument/2006/math" xmlns="" val="1"/>
             </a:ext>
           </a:extLst>
         </p:spPr>
@@ -25047,7 +25052,7 @@
           </a:ln>
           <a:extLst>
             <a:ext uri="{C572A759-6A51-4108-AA02-DFA0A04FC94B}">
-              <ma14:wrappingTextBoxFlag xmlns="" xmlns:m="http://schemas.openxmlformats.org/officeDocument/2006/math" xmlns:a14="http://schemas.microsoft.com/office/drawing/2010/main" xmlns:ma14="http://schemas.microsoft.com/office/mac/drawingml/2011/main" val="1"/>
+              <ma14:wrappingTextBoxFlag xmlns:ma14="http://schemas.microsoft.com/office/mac/drawingml/2011/main" xmlns:a14="http://schemas.microsoft.com/office/drawing/2010/main" xmlns:m="http://schemas.openxmlformats.org/officeDocument/2006/math" xmlns="" val="1"/>
             </a:ext>
           </a:extLst>
         </p:spPr>
@@ -25087,7 +25092,7 @@
           </a:ln>
           <a:extLst>
             <a:ext uri="{C572A759-6A51-4108-AA02-DFA0A04FC94B}">
-              <ma14:wrappingTextBoxFlag xmlns="" xmlns:m="http://schemas.openxmlformats.org/officeDocument/2006/math" xmlns:a14="http://schemas.microsoft.com/office/drawing/2010/main" xmlns:ma14="http://schemas.microsoft.com/office/mac/drawingml/2011/main" val="1"/>
+              <ma14:wrappingTextBoxFlag xmlns:ma14="http://schemas.microsoft.com/office/mac/drawingml/2011/main" xmlns:a14="http://schemas.microsoft.com/office/drawing/2010/main" xmlns:m="http://schemas.openxmlformats.org/officeDocument/2006/math" xmlns="" val="1"/>
             </a:ext>
           </a:extLst>
         </p:spPr>
@@ -25127,7 +25132,7 @@
           </a:ln>
           <a:extLst>
             <a:ext uri="{C572A759-6A51-4108-AA02-DFA0A04FC94B}">
-              <ma14:wrappingTextBoxFlag xmlns="" xmlns:m="http://schemas.openxmlformats.org/officeDocument/2006/math" xmlns:a14="http://schemas.microsoft.com/office/drawing/2010/main" xmlns:ma14="http://schemas.microsoft.com/office/mac/drawingml/2011/main" val="1"/>
+              <ma14:wrappingTextBoxFlag xmlns:ma14="http://schemas.microsoft.com/office/mac/drawingml/2011/main" xmlns:a14="http://schemas.microsoft.com/office/drawing/2010/main" xmlns:m="http://schemas.openxmlformats.org/officeDocument/2006/math" xmlns="" val="1"/>
             </a:ext>
           </a:extLst>
         </p:spPr>
@@ -25167,7 +25172,7 @@
           </a:ln>
           <a:extLst>
             <a:ext uri="{C572A759-6A51-4108-AA02-DFA0A04FC94B}">
-              <ma14:wrappingTextBoxFlag xmlns="" xmlns:m="http://schemas.openxmlformats.org/officeDocument/2006/math" xmlns:a14="http://schemas.microsoft.com/office/drawing/2010/main" xmlns:ma14="http://schemas.microsoft.com/office/mac/drawingml/2011/main" val="1"/>
+              <ma14:wrappingTextBoxFlag xmlns:ma14="http://schemas.microsoft.com/office/mac/drawingml/2011/main" xmlns:a14="http://schemas.microsoft.com/office/drawing/2010/main" xmlns:m="http://schemas.openxmlformats.org/officeDocument/2006/math" xmlns="" val="1"/>
             </a:ext>
           </a:extLst>
         </p:spPr>
@@ -25207,7 +25212,7 @@
           </a:ln>
           <a:extLst>
             <a:ext uri="{C572A759-6A51-4108-AA02-DFA0A04FC94B}">
-              <ma14:wrappingTextBoxFlag xmlns="" xmlns:m="http://schemas.openxmlformats.org/officeDocument/2006/math" xmlns:a14="http://schemas.microsoft.com/office/drawing/2010/main" xmlns:ma14="http://schemas.microsoft.com/office/mac/drawingml/2011/main" val="1"/>
+              <ma14:wrappingTextBoxFlag xmlns:ma14="http://schemas.microsoft.com/office/mac/drawingml/2011/main" xmlns:a14="http://schemas.microsoft.com/office/drawing/2010/main" xmlns:m="http://schemas.openxmlformats.org/officeDocument/2006/math" xmlns="" val="1"/>
             </a:ext>
           </a:extLst>
         </p:spPr>
@@ -25247,7 +25252,7 @@
           </a:ln>
           <a:extLst>
             <a:ext uri="{C572A759-6A51-4108-AA02-DFA0A04FC94B}">
-              <ma14:wrappingTextBoxFlag xmlns="" xmlns:m="http://schemas.openxmlformats.org/officeDocument/2006/math" xmlns:a14="http://schemas.microsoft.com/office/drawing/2010/main" xmlns:ma14="http://schemas.microsoft.com/office/mac/drawingml/2011/main" val="1"/>
+              <ma14:wrappingTextBoxFlag xmlns:ma14="http://schemas.microsoft.com/office/mac/drawingml/2011/main" xmlns:a14="http://schemas.microsoft.com/office/drawing/2010/main" xmlns:m="http://schemas.openxmlformats.org/officeDocument/2006/math" xmlns="" val="1"/>
             </a:ext>
           </a:extLst>
         </p:spPr>
@@ -25287,7 +25292,7 @@
           </a:ln>
           <a:extLst>
             <a:ext uri="{C572A759-6A51-4108-AA02-DFA0A04FC94B}">
-              <ma14:wrappingTextBoxFlag xmlns="" xmlns:m="http://schemas.openxmlformats.org/officeDocument/2006/math" xmlns:a14="http://schemas.microsoft.com/office/drawing/2010/main" xmlns:ma14="http://schemas.microsoft.com/office/mac/drawingml/2011/main" val="1"/>
+              <ma14:wrappingTextBoxFlag xmlns:ma14="http://schemas.microsoft.com/office/mac/drawingml/2011/main" xmlns:a14="http://schemas.microsoft.com/office/drawing/2010/main" xmlns:m="http://schemas.openxmlformats.org/officeDocument/2006/math" xmlns="" val="1"/>
             </a:ext>
           </a:extLst>
         </p:spPr>
@@ -25335,7 +25340,7 @@
           </a:ln>
           <a:extLst>
             <a:ext uri="{C572A759-6A51-4108-AA02-DFA0A04FC94B}">
-              <ma14:wrappingTextBoxFlag xmlns="" xmlns:m="http://schemas.openxmlformats.org/officeDocument/2006/math" xmlns:a14="http://schemas.microsoft.com/office/drawing/2010/main" xmlns:ma14="http://schemas.microsoft.com/office/mac/drawingml/2011/main" val="1"/>
+              <ma14:wrappingTextBoxFlag xmlns:ma14="http://schemas.microsoft.com/office/mac/drawingml/2011/main" xmlns:a14="http://schemas.microsoft.com/office/drawing/2010/main" xmlns:m="http://schemas.openxmlformats.org/officeDocument/2006/math" xmlns="" val="1"/>
             </a:ext>
           </a:extLst>
         </p:spPr>
@@ -25375,7 +25380,7 @@
           </a:ln>
           <a:extLst>
             <a:ext uri="{C572A759-6A51-4108-AA02-DFA0A04FC94B}">
-              <ma14:wrappingTextBoxFlag xmlns="" xmlns:m="http://schemas.openxmlformats.org/officeDocument/2006/math" xmlns:a14="http://schemas.microsoft.com/office/drawing/2010/main" xmlns:ma14="http://schemas.microsoft.com/office/mac/drawingml/2011/main" val="1"/>
+              <ma14:wrappingTextBoxFlag xmlns:ma14="http://schemas.microsoft.com/office/mac/drawingml/2011/main" xmlns:a14="http://schemas.microsoft.com/office/drawing/2010/main" xmlns:m="http://schemas.openxmlformats.org/officeDocument/2006/math" xmlns="" val="1"/>
             </a:ext>
           </a:extLst>
         </p:spPr>
@@ -25415,7 +25420,7 @@
           </a:ln>
           <a:extLst>
             <a:ext uri="{C572A759-6A51-4108-AA02-DFA0A04FC94B}">
-              <ma14:wrappingTextBoxFlag xmlns="" xmlns:m="http://schemas.openxmlformats.org/officeDocument/2006/math" xmlns:a14="http://schemas.microsoft.com/office/drawing/2010/main" xmlns:ma14="http://schemas.microsoft.com/office/mac/drawingml/2011/main" val="1"/>
+              <ma14:wrappingTextBoxFlag xmlns:ma14="http://schemas.microsoft.com/office/mac/drawingml/2011/main" xmlns:a14="http://schemas.microsoft.com/office/drawing/2010/main" xmlns:m="http://schemas.openxmlformats.org/officeDocument/2006/math" xmlns="" val="1"/>
             </a:ext>
           </a:extLst>
         </p:spPr>
@@ -25455,7 +25460,7 @@
           </a:ln>
           <a:extLst>
             <a:ext uri="{C572A759-6A51-4108-AA02-DFA0A04FC94B}">
-              <ma14:wrappingTextBoxFlag xmlns="" xmlns:m="http://schemas.openxmlformats.org/officeDocument/2006/math" xmlns:a14="http://schemas.microsoft.com/office/drawing/2010/main" xmlns:ma14="http://schemas.microsoft.com/office/mac/drawingml/2011/main" val="1"/>
+              <ma14:wrappingTextBoxFlag xmlns:ma14="http://schemas.microsoft.com/office/mac/drawingml/2011/main" xmlns:a14="http://schemas.microsoft.com/office/drawing/2010/main" xmlns:m="http://schemas.openxmlformats.org/officeDocument/2006/math" xmlns="" val="1"/>
             </a:ext>
           </a:extLst>
         </p:spPr>
@@ -25495,7 +25500,7 @@
           </a:ln>
           <a:extLst>
             <a:ext uri="{C572A759-6A51-4108-AA02-DFA0A04FC94B}">
-              <ma14:wrappingTextBoxFlag xmlns="" xmlns:m="http://schemas.openxmlformats.org/officeDocument/2006/math" xmlns:a14="http://schemas.microsoft.com/office/drawing/2010/main" xmlns:ma14="http://schemas.microsoft.com/office/mac/drawingml/2011/main" val="1"/>
+              <ma14:wrappingTextBoxFlag xmlns:ma14="http://schemas.microsoft.com/office/mac/drawingml/2011/main" xmlns:a14="http://schemas.microsoft.com/office/drawing/2010/main" xmlns:m="http://schemas.openxmlformats.org/officeDocument/2006/math" xmlns="" val="1"/>
             </a:ext>
           </a:extLst>
         </p:spPr>
@@ -25535,7 +25540,7 @@
           </a:ln>
           <a:extLst>
             <a:ext uri="{C572A759-6A51-4108-AA02-DFA0A04FC94B}">
-              <ma14:wrappingTextBoxFlag xmlns="" xmlns:m="http://schemas.openxmlformats.org/officeDocument/2006/math" xmlns:a14="http://schemas.microsoft.com/office/drawing/2010/main" xmlns:ma14="http://schemas.microsoft.com/office/mac/drawingml/2011/main" val="1"/>
+              <ma14:wrappingTextBoxFlag xmlns:ma14="http://schemas.microsoft.com/office/mac/drawingml/2011/main" xmlns:a14="http://schemas.microsoft.com/office/drawing/2010/main" xmlns:m="http://schemas.openxmlformats.org/officeDocument/2006/math" xmlns="" val="1"/>
             </a:ext>
           </a:extLst>
         </p:spPr>
@@ -25575,7 +25580,7 @@
           </a:ln>
           <a:extLst>
             <a:ext uri="{C572A759-6A51-4108-AA02-DFA0A04FC94B}">
-              <ma14:wrappingTextBoxFlag xmlns="" xmlns:m="http://schemas.openxmlformats.org/officeDocument/2006/math" xmlns:a14="http://schemas.microsoft.com/office/drawing/2010/main" xmlns:ma14="http://schemas.microsoft.com/office/mac/drawingml/2011/main" val="1"/>
+              <ma14:wrappingTextBoxFlag xmlns:ma14="http://schemas.microsoft.com/office/mac/drawingml/2011/main" xmlns:a14="http://schemas.microsoft.com/office/drawing/2010/main" xmlns:m="http://schemas.openxmlformats.org/officeDocument/2006/math" xmlns="" val="1"/>
             </a:ext>
           </a:extLst>
         </p:spPr>
@@ -25615,7 +25620,7 @@
           </a:ln>
           <a:extLst>
             <a:ext uri="{C572A759-6A51-4108-AA02-DFA0A04FC94B}">
-              <ma14:wrappingTextBoxFlag xmlns="" xmlns:m="http://schemas.openxmlformats.org/officeDocument/2006/math" xmlns:a14="http://schemas.microsoft.com/office/drawing/2010/main" xmlns:ma14="http://schemas.microsoft.com/office/mac/drawingml/2011/main" val="1"/>
+              <ma14:wrappingTextBoxFlag xmlns:ma14="http://schemas.microsoft.com/office/mac/drawingml/2011/main" xmlns:a14="http://schemas.microsoft.com/office/drawing/2010/main" xmlns:m="http://schemas.openxmlformats.org/officeDocument/2006/math" xmlns="" val="1"/>
             </a:ext>
           </a:extLst>
         </p:spPr>
@@ -25655,7 +25660,7 @@
           </a:ln>
           <a:extLst>
             <a:ext uri="{C572A759-6A51-4108-AA02-DFA0A04FC94B}">
-              <ma14:wrappingTextBoxFlag xmlns="" xmlns:m="http://schemas.openxmlformats.org/officeDocument/2006/math" xmlns:a14="http://schemas.microsoft.com/office/drawing/2010/main" xmlns:ma14="http://schemas.microsoft.com/office/mac/drawingml/2011/main" val="1"/>
+              <ma14:wrappingTextBoxFlag xmlns:ma14="http://schemas.microsoft.com/office/mac/drawingml/2011/main" xmlns:a14="http://schemas.microsoft.com/office/drawing/2010/main" xmlns:m="http://schemas.openxmlformats.org/officeDocument/2006/math" xmlns="" val="1"/>
             </a:ext>
           </a:extLst>
         </p:spPr>
@@ -25695,7 +25700,7 @@
           </a:ln>
           <a:extLst>
             <a:ext uri="{C572A759-6A51-4108-AA02-DFA0A04FC94B}">
-              <ma14:wrappingTextBoxFlag xmlns="" xmlns:m="http://schemas.openxmlformats.org/officeDocument/2006/math" xmlns:a14="http://schemas.microsoft.com/office/drawing/2010/main" xmlns:ma14="http://schemas.microsoft.com/office/mac/drawingml/2011/main" val="1"/>
+              <ma14:wrappingTextBoxFlag xmlns:ma14="http://schemas.microsoft.com/office/mac/drawingml/2011/main" xmlns:a14="http://schemas.microsoft.com/office/drawing/2010/main" xmlns:m="http://schemas.openxmlformats.org/officeDocument/2006/math" xmlns="" val="1"/>
             </a:ext>
           </a:extLst>
         </p:spPr>
@@ -25806,7 +25811,7 @@
           </a:ln>
           <a:extLst>
             <a:ext uri="{C572A759-6A51-4108-AA02-DFA0A04FC94B}">
-              <ma14:wrappingTextBoxFlag xmlns="" xmlns:m="http://schemas.openxmlformats.org/officeDocument/2006/math" xmlns:a14="http://schemas.microsoft.com/office/drawing/2010/main" xmlns:ma14="http://schemas.microsoft.com/office/mac/drawingml/2011/main" val="1"/>
+              <ma14:wrappingTextBoxFlag xmlns:ma14="http://schemas.microsoft.com/office/mac/drawingml/2011/main" xmlns:a14="http://schemas.microsoft.com/office/drawing/2010/main" xmlns:m="http://schemas.openxmlformats.org/officeDocument/2006/math" xmlns="" val="1"/>
             </a:ext>
           </a:extLst>
         </p:spPr>
@@ -25845,7 +25850,7 @@
           </a:ln>
           <a:extLst>
             <a:ext uri="{C572A759-6A51-4108-AA02-DFA0A04FC94B}">
-              <ma14:wrappingTextBoxFlag xmlns="" xmlns:m="http://schemas.openxmlformats.org/officeDocument/2006/math" xmlns:a14="http://schemas.microsoft.com/office/drawing/2010/main" xmlns:ma14="http://schemas.microsoft.com/office/mac/drawingml/2011/main" val="1"/>
+              <ma14:wrappingTextBoxFlag xmlns:ma14="http://schemas.microsoft.com/office/mac/drawingml/2011/main" xmlns:a14="http://schemas.microsoft.com/office/drawing/2010/main" xmlns:m="http://schemas.openxmlformats.org/officeDocument/2006/math" xmlns="" val="1"/>
             </a:ext>
           </a:extLst>
         </p:spPr>
@@ -25890,7 +25895,7 @@
           </a:ln>
           <a:extLst>
             <a:ext uri="{C572A759-6A51-4108-AA02-DFA0A04FC94B}">
-              <ma14:wrappingTextBoxFlag xmlns="" xmlns:m="http://schemas.openxmlformats.org/officeDocument/2006/math" xmlns:a14="http://schemas.microsoft.com/office/drawing/2010/main" xmlns:ma14="http://schemas.microsoft.com/office/mac/drawingml/2011/main" val="1"/>
+              <ma14:wrappingTextBoxFlag xmlns:ma14="http://schemas.microsoft.com/office/mac/drawingml/2011/main" xmlns:a14="http://schemas.microsoft.com/office/drawing/2010/main" xmlns:m="http://schemas.openxmlformats.org/officeDocument/2006/math" xmlns="" val="1"/>
             </a:ext>
           </a:extLst>
         </p:spPr>
@@ -25935,7 +25940,7 @@
           </a:ln>
           <a:extLst>
             <a:ext uri="{C572A759-6A51-4108-AA02-DFA0A04FC94B}">
-              <ma14:wrappingTextBoxFlag xmlns="" xmlns:m="http://schemas.openxmlformats.org/officeDocument/2006/math" xmlns:a14="http://schemas.microsoft.com/office/drawing/2010/main" xmlns:ma14="http://schemas.microsoft.com/office/mac/drawingml/2011/main" val="1"/>
+              <ma14:wrappingTextBoxFlag xmlns:ma14="http://schemas.microsoft.com/office/mac/drawingml/2011/main" xmlns:a14="http://schemas.microsoft.com/office/drawing/2010/main" xmlns:m="http://schemas.openxmlformats.org/officeDocument/2006/math" xmlns="" val="1"/>
             </a:ext>
           </a:extLst>
         </p:spPr>
@@ -26955,7 +26960,7 @@
           </a:ln>
           <a:extLst>
             <a:ext uri="{C572A759-6A51-4108-AA02-DFA0A04FC94B}">
-              <ma14:wrappingTextBoxFlag xmlns="" xmlns:m="http://schemas.openxmlformats.org/officeDocument/2006/math" xmlns:a14="http://schemas.microsoft.com/office/drawing/2010/main" xmlns:ma14="http://schemas.microsoft.com/office/mac/drawingml/2011/main" val="1"/>
+              <ma14:wrappingTextBoxFlag xmlns:ma14="http://schemas.microsoft.com/office/mac/drawingml/2011/main" xmlns:a14="http://schemas.microsoft.com/office/drawing/2010/main" xmlns:m="http://schemas.openxmlformats.org/officeDocument/2006/math" xmlns="" val="1"/>
             </a:ext>
           </a:extLst>
         </p:spPr>
@@ -27064,7 +27069,7 @@
           </a:ln>
           <a:extLst>
             <a:ext uri="{C572A759-6A51-4108-AA02-DFA0A04FC94B}">
-              <ma14:wrappingTextBoxFlag xmlns="" xmlns:m="http://schemas.openxmlformats.org/officeDocument/2006/math" xmlns:a14="http://schemas.microsoft.com/office/drawing/2010/main" xmlns:ma14="http://schemas.microsoft.com/office/mac/drawingml/2011/main" val="1"/>
+              <ma14:wrappingTextBoxFlag xmlns:ma14="http://schemas.microsoft.com/office/mac/drawingml/2011/main" xmlns:a14="http://schemas.microsoft.com/office/drawing/2010/main" xmlns:m="http://schemas.openxmlformats.org/officeDocument/2006/math" xmlns="" val="1"/>
             </a:ext>
           </a:extLst>
         </p:spPr>
@@ -27114,7 +27119,7 @@
           </a:ln>
           <a:extLst>
             <a:ext uri="{C572A759-6A51-4108-AA02-DFA0A04FC94B}">
-              <ma14:wrappingTextBoxFlag xmlns="" xmlns:m="http://schemas.openxmlformats.org/officeDocument/2006/math" xmlns:a14="http://schemas.microsoft.com/office/drawing/2010/main" xmlns:ma14="http://schemas.microsoft.com/office/mac/drawingml/2011/main" val="1"/>
+              <ma14:wrappingTextBoxFlag xmlns:ma14="http://schemas.microsoft.com/office/mac/drawingml/2011/main" xmlns:a14="http://schemas.microsoft.com/office/drawing/2010/main" xmlns:m="http://schemas.openxmlformats.org/officeDocument/2006/math" xmlns="" val="1"/>
             </a:ext>
           </a:extLst>
         </p:spPr>
@@ -27164,7 +27169,7 @@
           </a:ln>
           <a:extLst>
             <a:ext uri="{C572A759-6A51-4108-AA02-DFA0A04FC94B}">
-              <ma14:wrappingTextBoxFlag xmlns="" xmlns:m="http://schemas.openxmlformats.org/officeDocument/2006/math" xmlns:a14="http://schemas.microsoft.com/office/drawing/2010/main" xmlns:ma14="http://schemas.microsoft.com/office/mac/drawingml/2011/main" val="1"/>
+              <ma14:wrappingTextBoxFlag xmlns:ma14="http://schemas.microsoft.com/office/mac/drawingml/2011/main" xmlns:a14="http://schemas.microsoft.com/office/drawing/2010/main" xmlns:m="http://schemas.openxmlformats.org/officeDocument/2006/math" xmlns="" val="1"/>
             </a:ext>
           </a:extLst>
         </p:spPr>
@@ -28312,7 +28317,7 @@
           </a:ln>
           <a:extLst>
             <a:ext uri="{C572A759-6A51-4108-AA02-DFA0A04FC94B}">
-              <ma14:wrappingTextBoxFlag xmlns="" xmlns:m="http://schemas.openxmlformats.org/officeDocument/2006/math" xmlns:a14="http://schemas.microsoft.com/office/drawing/2010/main" xmlns:ma14="http://schemas.microsoft.com/office/mac/drawingml/2011/main" val="1"/>
+              <ma14:wrappingTextBoxFlag xmlns:ma14="http://schemas.microsoft.com/office/mac/drawingml/2011/main" xmlns:a14="http://schemas.microsoft.com/office/drawing/2010/main" xmlns:m="http://schemas.openxmlformats.org/officeDocument/2006/math" xmlns="" val="1"/>
             </a:ext>
           </a:extLst>
         </p:spPr>
@@ -29133,7 +29138,7 @@
           </a:ln>
           <a:extLst>
             <a:ext uri="{C572A759-6A51-4108-AA02-DFA0A04FC94B}">
-              <ma14:wrappingTextBoxFlag xmlns="" xmlns:m="http://schemas.openxmlformats.org/officeDocument/2006/math" xmlns:a14="http://schemas.microsoft.com/office/drawing/2010/main" xmlns:ma14="http://schemas.microsoft.com/office/mac/drawingml/2011/main" val="1"/>
+              <ma14:wrappingTextBoxFlag xmlns:ma14="http://schemas.microsoft.com/office/mac/drawingml/2011/main" xmlns:a14="http://schemas.microsoft.com/office/drawing/2010/main" xmlns:m="http://schemas.openxmlformats.org/officeDocument/2006/math" xmlns="" val="1"/>
             </a:ext>
           </a:extLst>
         </p:spPr>
@@ -29179,7 +29184,7 @@
           </a:ln>
           <a:extLst>
             <a:ext uri="{C572A759-6A51-4108-AA02-DFA0A04FC94B}">
-              <ma14:wrappingTextBoxFlag xmlns="" xmlns:m="http://schemas.openxmlformats.org/officeDocument/2006/math" xmlns:a14="http://schemas.microsoft.com/office/drawing/2010/main" xmlns:ma14="http://schemas.microsoft.com/office/mac/drawingml/2011/main" val="1"/>
+              <ma14:wrappingTextBoxFlag xmlns:ma14="http://schemas.microsoft.com/office/mac/drawingml/2011/main" xmlns:a14="http://schemas.microsoft.com/office/drawing/2010/main" xmlns:m="http://schemas.openxmlformats.org/officeDocument/2006/math" xmlns="" val="1"/>
             </a:ext>
           </a:extLst>
         </p:spPr>
@@ -29231,7 +29236,7 @@
           </a:ln>
           <a:extLst>
             <a:ext uri="{C572A759-6A51-4108-AA02-DFA0A04FC94B}">
-              <ma14:wrappingTextBoxFlag xmlns="" xmlns:m="http://schemas.openxmlformats.org/officeDocument/2006/math" xmlns:a14="http://schemas.microsoft.com/office/drawing/2010/main" xmlns:ma14="http://schemas.microsoft.com/office/mac/drawingml/2011/main" val="1"/>
+              <ma14:wrappingTextBoxFlag xmlns:ma14="http://schemas.microsoft.com/office/mac/drawingml/2011/main" xmlns:a14="http://schemas.microsoft.com/office/drawing/2010/main" xmlns:m="http://schemas.openxmlformats.org/officeDocument/2006/math" xmlns="" val="1"/>
             </a:ext>
           </a:extLst>
         </p:spPr>
@@ -29281,7 +29286,7 @@
           </a:ln>
           <a:extLst>
             <a:ext uri="{C572A759-6A51-4108-AA02-DFA0A04FC94B}">
-              <ma14:wrappingTextBoxFlag xmlns="" xmlns:m="http://schemas.openxmlformats.org/officeDocument/2006/math" xmlns:a14="http://schemas.microsoft.com/office/drawing/2010/main" xmlns:ma14="http://schemas.microsoft.com/office/mac/drawingml/2011/main" val="1"/>
+              <ma14:wrappingTextBoxFlag xmlns:ma14="http://schemas.microsoft.com/office/mac/drawingml/2011/main" xmlns:a14="http://schemas.microsoft.com/office/drawing/2010/main" xmlns:m="http://schemas.openxmlformats.org/officeDocument/2006/math" xmlns="" val="1"/>
             </a:ext>
           </a:extLst>
         </p:spPr>
@@ -31157,7 +31162,7 @@
           </a:ln>
           <a:extLst>
             <a:ext uri="{C572A759-6A51-4108-AA02-DFA0A04FC94B}">
-              <ma14:wrappingTextBoxFlag xmlns="" xmlns:m="http://schemas.openxmlformats.org/officeDocument/2006/math" xmlns:a14="http://schemas.microsoft.com/office/drawing/2010/main" xmlns:ma14="http://schemas.microsoft.com/office/mac/drawingml/2011/main" val="1"/>
+              <ma14:wrappingTextBoxFlag xmlns:ma14="http://schemas.microsoft.com/office/mac/drawingml/2011/main" xmlns:a14="http://schemas.microsoft.com/office/drawing/2010/main" xmlns:m="http://schemas.openxmlformats.org/officeDocument/2006/math" xmlns="" val="1"/>
             </a:ext>
           </a:extLst>
         </p:spPr>
@@ -31236,7 +31241,7 @@
           </a:ln>
           <a:extLst>
             <a:ext uri="{C572A759-6A51-4108-AA02-DFA0A04FC94B}">
-              <ma14:wrappingTextBoxFlag xmlns="" xmlns:m="http://schemas.openxmlformats.org/officeDocument/2006/math" xmlns:a14="http://schemas.microsoft.com/office/drawing/2010/main" xmlns:ma14="http://schemas.microsoft.com/office/mac/drawingml/2011/main" val="1"/>
+              <ma14:wrappingTextBoxFlag xmlns:ma14="http://schemas.microsoft.com/office/mac/drawingml/2011/main" xmlns:a14="http://schemas.microsoft.com/office/drawing/2010/main" xmlns:m="http://schemas.openxmlformats.org/officeDocument/2006/math" xmlns="" val="1"/>
             </a:ext>
           </a:extLst>
         </p:spPr>
@@ -31336,7 +31341,7 @@
           </a:ln>
           <a:extLst>
             <a:ext uri="{C572A759-6A51-4108-AA02-DFA0A04FC94B}">
-              <ma14:wrappingTextBoxFlag xmlns="" xmlns:m="http://schemas.openxmlformats.org/officeDocument/2006/math" xmlns:a14="http://schemas.microsoft.com/office/drawing/2010/main" xmlns:ma14="http://schemas.microsoft.com/office/mac/drawingml/2011/main" val="1"/>
+              <ma14:wrappingTextBoxFlag xmlns:ma14="http://schemas.microsoft.com/office/mac/drawingml/2011/main" xmlns:a14="http://schemas.microsoft.com/office/drawing/2010/main" xmlns:m="http://schemas.openxmlformats.org/officeDocument/2006/math" xmlns="" val="1"/>
             </a:ext>
           </a:extLst>
         </p:spPr>
@@ -31382,7 +31387,7 @@
           </a:ln>
           <a:extLst>
             <a:ext uri="{C572A759-6A51-4108-AA02-DFA0A04FC94B}">
-              <ma14:wrappingTextBoxFlag xmlns="" xmlns:m="http://schemas.openxmlformats.org/officeDocument/2006/math" xmlns:a14="http://schemas.microsoft.com/office/drawing/2010/main" xmlns:ma14="http://schemas.microsoft.com/office/mac/drawingml/2011/main" val="1"/>
+              <ma14:wrappingTextBoxFlag xmlns:ma14="http://schemas.microsoft.com/office/mac/drawingml/2011/main" xmlns:a14="http://schemas.microsoft.com/office/drawing/2010/main" xmlns:m="http://schemas.openxmlformats.org/officeDocument/2006/math" xmlns="" val="1"/>
             </a:ext>
           </a:extLst>
         </p:spPr>
@@ -31434,7 +31439,7 @@
           </a:ln>
           <a:extLst>
             <a:ext uri="{C572A759-6A51-4108-AA02-DFA0A04FC94B}">
-              <ma14:wrappingTextBoxFlag xmlns="" xmlns:m="http://schemas.openxmlformats.org/officeDocument/2006/math" xmlns:a14="http://schemas.microsoft.com/office/drawing/2010/main" xmlns:ma14="http://schemas.microsoft.com/office/mac/drawingml/2011/main" val="1"/>
+              <ma14:wrappingTextBoxFlag xmlns:ma14="http://schemas.microsoft.com/office/mac/drawingml/2011/main" xmlns:a14="http://schemas.microsoft.com/office/drawing/2010/main" xmlns:m="http://schemas.openxmlformats.org/officeDocument/2006/math" xmlns="" val="1"/>
             </a:ext>
           </a:extLst>
         </p:spPr>
@@ -31486,7 +31491,7 @@
           </a:ln>
           <a:extLst>
             <a:ext uri="{C572A759-6A51-4108-AA02-DFA0A04FC94B}">
-              <ma14:wrappingTextBoxFlag xmlns="" xmlns:m="http://schemas.openxmlformats.org/officeDocument/2006/math" xmlns:a14="http://schemas.microsoft.com/office/drawing/2010/main" xmlns:ma14="http://schemas.microsoft.com/office/mac/drawingml/2011/main" val="1"/>
+              <ma14:wrappingTextBoxFlag xmlns:ma14="http://schemas.microsoft.com/office/mac/drawingml/2011/main" xmlns:a14="http://schemas.microsoft.com/office/drawing/2010/main" xmlns:m="http://schemas.openxmlformats.org/officeDocument/2006/math" xmlns="" val="1"/>
             </a:ext>
           </a:extLst>
         </p:spPr>
@@ -32611,7 +32616,7 @@
           </a:ln>
           <a:extLst>
             <a:ext uri="{C572A759-6A51-4108-AA02-DFA0A04FC94B}">
-              <ma14:wrappingTextBoxFlag xmlns="" xmlns:m="http://schemas.openxmlformats.org/officeDocument/2006/math" xmlns:a14="http://schemas.microsoft.com/office/drawing/2010/main" xmlns:ma14="http://schemas.microsoft.com/office/mac/drawingml/2011/main" val="1"/>
+              <ma14:wrappingTextBoxFlag xmlns:ma14="http://schemas.microsoft.com/office/mac/drawingml/2011/main" xmlns:a14="http://schemas.microsoft.com/office/drawing/2010/main" xmlns:m="http://schemas.openxmlformats.org/officeDocument/2006/math" xmlns="" val="1"/>
             </a:ext>
           </a:extLst>
         </p:spPr>
@@ -32684,7 +32689,7 @@
           </a:ln>
           <a:extLst>
             <a:ext uri="{C572A759-6A51-4108-AA02-DFA0A04FC94B}">
-              <ma14:wrappingTextBoxFlag xmlns="" xmlns:m="http://schemas.openxmlformats.org/officeDocument/2006/math" xmlns:a14="http://schemas.microsoft.com/office/drawing/2010/main" xmlns:ma14="http://schemas.microsoft.com/office/mac/drawingml/2011/main" val="1"/>
+              <ma14:wrappingTextBoxFlag xmlns:ma14="http://schemas.microsoft.com/office/mac/drawingml/2011/main" xmlns:a14="http://schemas.microsoft.com/office/drawing/2010/main" xmlns:m="http://schemas.openxmlformats.org/officeDocument/2006/math" xmlns="" val="1"/>
             </a:ext>
           </a:extLst>
         </p:spPr>
@@ -33490,7 +33495,7 @@
           </a:ln>
           <a:extLst>
             <a:ext uri="{C572A759-6A51-4108-AA02-DFA0A04FC94B}">
-              <ma14:wrappingTextBoxFlag xmlns="" xmlns:m="http://schemas.openxmlformats.org/officeDocument/2006/math" xmlns:a14="http://schemas.microsoft.com/office/drawing/2010/main" xmlns:ma14="http://schemas.microsoft.com/office/mac/drawingml/2011/main" val="1"/>
+              <ma14:wrappingTextBoxFlag xmlns:ma14="http://schemas.microsoft.com/office/mac/drawingml/2011/main" xmlns:a14="http://schemas.microsoft.com/office/drawing/2010/main" xmlns:m="http://schemas.openxmlformats.org/officeDocument/2006/math" xmlns="" val="1"/>
             </a:ext>
           </a:extLst>
         </p:spPr>
